--- a/Présentation Projet 6 - So Peckocko.pptx
+++ b/Présentation Projet 6 - So Peckocko.pptx
@@ -5,15 +5,12 @@
     <p:sldMasterId id="2147483648" r:id="rId1"/>
   </p:sldMasterIdLst>
   <p:notesMasterIdLst>
-    <p:notesMasterId r:id="rId8"/>
+    <p:notesMasterId r:id="rId5"/>
   </p:notesMasterIdLst>
   <p:sldIdLst>
     <p:sldId id="257" r:id="rId2"/>
     <p:sldId id="258" r:id="rId3"/>
-    <p:sldId id="259" r:id="rId4"/>
-    <p:sldId id="260" r:id="rId5"/>
-    <p:sldId id="261" r:id="rId6"/>
-    <p:sldId id="262" r:id="rId7"/>
+    <p:sldId id="263" r:id="rId4"/>
   </p:sldIdLst>
   <p:sldSz cx="12192000" cy="6858000"/>
   <p:notesSz cx="6858000" cy="9144000"/>
@@ -618,7 +615,7 @@
           <a:p>
             <a:fld id="{80BCB94F-0489-2E4C-98E0-42B524F995A5}" type="slidenum">
               <a:rPr lang="fr-FR" smtClean="0"/>
-              <a:t>3</a:t>
+              <a:t>2</a:t>
             </a:fld>
             <a:endParaRPr lang="fr-FR" dirty="0"/>
           </a:p>
@@ -627,175 +624,7 @@
     </p:spTree>
     <p:extLst>
       <p:ext uri="{BB962C8B-B14F-4D97-AF65-F5344CB8AC3E}">
-        <p14:creationId xmlns:p14="http://schemas.microsoft.com/office/powerpoint/2010/main" val="193625323"/>
-      </p:ext>
-    </p:extLst>
-  </p:cSld>
-  <p:clrMapOvr>
-    <a:masterClrMapping/>
-  </p:clrMapOvr>
-</p:notes>
-</file>
-
-<file path=ppt/notesSlides/notesSlide3.xml><?xml version="1.0" encoding="utf-8"?>
-<p:notes xmlns:a="http://schemas.openxmlformats.org/drawingml/2006/main" xmlns:r="http://schemas.openxmlformats.org/officeDocument/2006/relationships" xmlns:p="http://schemas.openxmlformats.org/presentationml/2006/main">
-  <p:cSld>
-    <p:spTree>
-      <p:nvGrpSpPr>
-        <p:cNvPr id="1" name=""/>
-        <p:cNvGrpSpPr/>
-        <p:nvPr/>
-      </p:nvGrpSpPr>
-      <p:grpSpPr>
-        <a:xfrm>
-          <a:off x="0" y="0"/>
-          <a:ext cx="0" cy="0"/>
-          <a:chOff x="0" y="0"/>
-          <a:chExt cx="0" cy="0"/>
-        </a:xfrm>
-      </p:grpSpPr>
-      <p:sp>
-        <p:nvSpPr>
-          <p:cNvPr id="2" name="Espace réservé de l'image des diapositives 1"/>
-          <p:cNvSpPr>
-            <a:spLocks noGrp="1" noRot="1" noChangeAspect="1"/>
-          </p:cNvSpPr>
-          <p:nvPr>
-            <p:ph type="sldImg"/>
-          </p:nvPr>
-        </p:nvSpPr>
-        <p:spPr/>
-      </p:sp>
-      <p:sp>
-        <p:nvSpPr>
-          <p:cNvPr id="3" name="Espace réservé des notes 2"/>
-          <p:cNvSpPr>
-            <a:spLocks noGrp="1"/>
-          </p:cNvSpPr>
-          <p:nvPr>
-            <p:ph type="body" idx="1"/>
-          </p:nvPr>
-        </p:nvSpPr>
-        <p:spPr/>
-        <p:txBody>
-          <a:bodyPr/>
-          <a:lstStyle/>
-          <a:p>
-            <a:endParaRPr lang="fr-FR" dirty="0"/>
-          </a:p>
-        </p:txBody>
-      </p:sp>
-      <p:sp>
-        <p:nvSpPr>
-          <p:cNvPr id="4" name="Espace réservé du numéro de diapositive 3"/>
-          <p:cNvSpPr>
-            <a:spLocks noGrp="1"/>
-          </p:cNvSpPr>
-          <p:nvPr>
-            <p:ph type="sldNum" sz="quarter" idx="5"/>
-          </p:nvPr>
-        </p:nvSpPr>
-        <p:spPr/>
-        <p:txBody>
-          <a:bodyPr/>
-          <a:lstStyle/>
-          <a:p>
-            <a:fld id="{80BCB94F-0489-2E4C-98E0-42B524F995A5}" type="slidenum">
-              <a:rPr lang="fr-FR" smtClean="0"/>
-              <a:t>4</a:t>
-            </a:fld>
-            <a:endParaRPr lang="fr-FR" dirty="0"/>
-          </a:p>
-        </p:txBody>
-      </p:sp>
-    </p:spTree>
-    <p:extLst>
-      <p:ext uri="{BB962C8B-B14F-4D97-AF65-F5344CB8AC3E}">
-        <p14:creationId xmlns:p14="http://schemas.microsoft.com/office/powerpoint/2010/main" val="2796939786"/>
-      </p:ext>
-    </p:extLst>
-  </p:cSld>
-  <p:clrMapOvr>
-    <a:masterClrMapping/>
-  </p:clrMapOvr>
-</p:notes>
-</file>
-
-<file path=ppt/notesSlides/notesSlide4.xml><?xml version="1.0" encoding="utf-8"?>
-<p:notes xmlns:a="http://schemas.openxmlformats.org/drawingml/2006/main" xmlns:r="http://schemas.openxmlformats.org/officeDocument/2006/relationships" xmlns:p="http://schemas.openxmlformats.org/presentationml/2006/main">
-  <p:cSld>
-    <p:spTree>
-      <p:nvGrpSpPr>
-        <p:cNvPr id="1" name=""/>
-        <p:cNvGrpSpPr/>
-        <p:nvPr/>
-      </p:nvGrpSpPr>
-      <p:grpSpPr>
-        <a:xfrm>
-          <a:off x="0" y="0"/>
-          <a:ext cx="0" cy="0"/>
-          <a:chOff x="0" y="0"/>
-          <a:chExt cx="0" cy="0"/>
-        </a:xfrm>
-      </p:grpSpPr>
-      <p:sp>
-        <p:nvSpPr>
-          <p:cNvPr id="2" name="Espace réservé de l'image des diapositives 1"/>
-          <p:cNvSpPr>
-            <a:spLocks noGrp="1" noRot="1" noChangeAspect="1"/>
-          </p:cNvSpPr>
-          <p:nvPr>
-            <p:ph type="sldImg"/>
-          </p:nvPr>
-        </p:nvSpPr>
-        <p:spPr/>
-      </p:sp>
-      <p:sp>
-        <p:nvSpPr>
-          <p:cNvPr id="3" name="Espace réservé des notes 2"/>
-          <p:cNvSpPr>
-            <a:spLocks noGrp="1"/>
-          </p:cNvSpPr>
-          <p:nvPr>
-            <p:ph type="body" idx="1"/>
-          </p:nvPr>
-        </p:nvSpPr>
-        <p:spPr/>
-        <p:txBody>
-          <a:bodyPr/>
-          <a:lstStyle/>
-          <a:p>
-            <a:endParaRPr lang="fr-FR" dirty="0"/>
-          </a:p>
-        </p:txBody>
-      </p:sp>
-      <p:sp>
-        <p:nvSpPr>
-          <p:cNvPr id="4" name="Espace réservé du numéro de diapositive 3"/>
-          <p:cNvSpPr>
-            <a:spLocks noGrp="1"/>
-          </p:cNvSpPr>
-          <p:nvPr>
-            <p:ph type="sldNum" sz="quarter" idx="5"/>
-          </p:nvPr>
-        </p:nvSpPr>
-        <p:spPr/>
-        <p:txBody>
-          <a:bodyPr/>
-          <a:lstStyle/>
-          <a:p>
-            <a:fld id="{80BCB94F-0489-2E4C-98E0-42B524F995A5}" type="slidenum">
-              <a:rPr lang="fr-FR" smtClean="0"/>
-              <a:t>5</a:t>
-            </a:fld>
-            <a:endParaRPr lang="fr-FR" dirty="0"/>
-          </a:p>
-        </p:txBody>
-      </p:sp>
-    </p:spTree>
-    <p:extLst>
-      <p:ext uri="{BB962C8B-B14F-4D97-AF65-F5344CB8AC3E}">
-        <p14:creationId xmlns:p14="http://schemas.microsoft.com/office/powerpoint/2010/main" val="1145290559"/>
+        <p14:creationId xmlns:p14="http://schemas.microsoft.com/office/powerpoint/2010/main" val="3258234164"/>
       </p:ext>
     </p:extLst>
   </p:cSld>
@@ -4796,8 +4625,8 @@
         </p:nvSpPr>
         <p:spPr>
           <a:xfrm>
-            <a:off x="4551218" y="792964"/>
-            <a:ext cx="7640782" cy="369332"/>
+            <a:off x="84116" y="730136"/>
+            <a:ext cx="12023767" cy="5909310"/>
           </a:xfrm>
           <a:prstGeom prst="rect">
             <a:avLst/>
@@ -4812,46 +4641,146 @@
           <a:p>
             <a:r>
               <a:rPr lang="fr-FR" dirty="0"/>
-              <a:t>Pour la </a:t>
-            </a:r>
-            <a:r>
-              <a:rPr lang="fr-FR" dirty="0" err="1"/>
-              <a:t>réalisati</a:t>
-            </a:r>
-            <a:endParaRPr lang="fr-FR" dirty="0"/>
-          </a:p>
-        </p:txBody>
-      </p:sp>
-      <p:pic>
-        <p:nvPicPr>
-          <p:cNvPr id="12" name="Image 11">
-            <a:extLst>
-              <a:ext uri="{FF2B5EF4-FFF2-40B4-BE49-F238E27FC236}">
-                <a16:creationId xmlns:a16="http://schemas.microsoft.com/office/drawing/2014/main" id="{6B5A5779-B8E8-0D48-BD53-48418840A3AE}"/>
-              </a:ext>
-            </a:extLst>
-          </p:cNvPr>
-          <p:cNvPicPr>
-            <a:picLocks noChangeAspect="1"/>
-          </p:cNvPicPr>
-          <p:nvPr/>
-        </p:nvPicPr>
-        <p:blipFill>
-          <a:blip r:embed="rId2"/>
-          <a:stretch>
-            <a:fillRect/>
-          </a:stretch>
-        </p:blipFill>
-        <p:spPr>
-          <a:xfrm>
-            <a:off x="5349678" y="2333121"/>
-            <a:ext cx="6061364" cy="4524879"/>
-          </a:xfrm>
-          <a:prstGeom prst="rect">
-            <a:avLst/>
-          </a:prstGeom>
-        </p:spPr>
-      </p:pic>
+              <a:t>-Les atteintes à la protection des données sur les applications web sont courantes et se produisent même dans les grandes entreprises.</a:t>
+            </a:r>
+          </a:p>
+          <a:p>
+            <a:r>
+              <a:rPr lang="fr-FR" dirty="0"/>
+              <a:t>-Une attaque sur une application web peut faire perdre à une entreprise beaucoup d'argent et sa réputation.</a:t>
+            </a:r>
+          </a:p>
+          <a:p>
+            <a:r>
+              <a:rPr lang="fr-FR" dirty="0"/>
+              <a:t>-le </a:t>
+            </a:r>
+            <a:r>
+              <a:rPr lang="fr-FR" b="1" dirty="0"/>
+              <a:t>règlement général sur la protection des données (RGPD) </a:t>
+            </a:r>
+            <a:r>
+              <a:rPr lang="fr-FR" dirty="0"/>
+              <a:t>donne un cadre et L’organisme </a:t>
+            </a:r>
+            <a:r>
+              <a:rPr lang="fr-FR" b="1" dirty="0"/>
+              <a:t>« Open Web Application Security Project » (OWASP)</a:t>
+            </a:r>
+            <a:r>
+              <a:rPr lang="fr-FR" dirty="0"/>
+              <a:t> donne des recommandations pour faire face aux principaux risques de Sécurité.</a:t>
+            </a:r>
+          </a:p>
+          <a:p>
+            <a:endParaRPr lang="fr-FR" dirty="0"/>
+          </a:p>
+          <a:p>
+            <a:r>
+              <a:rPr lang="fr-FR" dirty="0"/>
+              <a:t>Pour se prémunir des risques liés à la sécurité et pour protéger nos utilisateurs, j’ai mis en place les dispositifs suivants :</a:t>
+            </a:r>
+          </a:p>
+          <a:p>
+            <a:endParaRPr lang="fr-FR" dirty="0"/>
+          </a:p>
+          <a:p>
+            <a:r>
+              <a:rPr lang="fr-FR" dirty="0"/>
+              <a:t>-</a:t>
+            </a:r>
+            <a:r>
+              <a:rPr lang="fr-FR" dirty="0">
+                <a:solidFill>
+                  <a:srgbClr val="0070C0"/>
+                </a:solidFill>
+              </a:rPr>
+              <a:t> Model de validation du mot de passe </a:t>
+            </a:r>
+            <a:r>
+              <a:rPr lang="fr-FR" dirty="0"/>
+              <a:t>: Mise en place de critère stricts (entre 8 et 10 caractères. Au moins 1 Majuscule et 1 chiffre) </a:t>
+            </a:r>
+          </a:p>
+          <a:p>
+            <a:endParaRPr lang="fr-FR" dirty="0"/>
+          </a:p>
+          <a:p>
+            <a:r>
+              <a:rPr lang="fr-FR" dirty="0"/>
+              <a:t>-</a:t>
+            </a:r>
+            <a:r>
+              <a:rPr lang="fr-FR" dirty="0">
+                <a:solidFill>
+                  <a:srgbClr val="0070C0"/>
+                </a:solidFill>
+              </a:rPr>
+              <a:t>Bcrypt</a:t>
+            </a:r>
+            <a:r>
+              <a:rPr lang="fr-FR" dirty="0"/>
+              <a:t> : Fonction de Hachage adaptative pour le mot de passe, c'est-à-dire que l'on peut augmenter le nombre d'itérations pour la rendre plus sécurisée. Ainsi elle continue à être résistante aux attaques par force brute, malgré l'augmentation de la puissance de calcul.</a:t>
+            </a:r>
+          </a:p>
+          <a:p>
+            <a:endParaRPr lang="fr-FR" dirty="0"/>
+          </a:p>
+          <a:p>
+            <a:r>
+              <a:rPr lang="fr-FR" dirty="0"/>
+              <a:t>- </a:t>
+            </a:r>
+            <a:r>
+              <a:rPr lang="fr-FR" dirty="0">
+                <a:solidFill>
+                  <a:srgbClr val="0070C0"/>
+                </a:solidFill>
+              </a:rPr>
+              <a:t>Sanitizer</a:t>
+            </a:r>
+            <a:r>
+              <a:rPr lang="fr-FR" dirty="0"/>
+              <a:t> : plug-in qui contrôle les inputs des utilisateurs afin d’éviter les injections de code malveillant dans la BDD.</a:t>
+            </a:r>
+          </a:p>
+          <a:p>
+            <a:endParaRPr lang="fr-FR" dirty="0"/>
+          </a:p>
+          <a:p>
+            <a:r>
+              <a:rPr lang="fr-FR" dirty="0"/>
+              <a:t>- </a:t>
+            </a:r>
+            <a:r>
+              <a:rPr lang="fr-FR" dirty="0">
+                <a:solidFill>
+                  <a:srgbClr val="0070C0"/>
+                </a:solidFill>
+              </a:rPr>
+              <a:t>Express-rate-</a:t>
+            </a:r>
+            <a:r>
+              <a:rPr lang="fr-FR" dirty="0" err="1">
+                <a:solidFill>
+                  <a:srgbClr val="0070C0"/>
+                </a:solidFill>
+              </a:rPr>
+              <a:t>limit</a:t>
+            </a:r>
+            <a:r>
+              <a:rPr lang="fr-FR" dirty="0"/>
+              <a:t> : Protection contre les attaques par force brute en déterminant un nombre de requêtes maximum sur une période de temps prédéterminée.</a:t>
+            </a:r>
+          </a:p>
+          <a:p>
+            <a:endParaRPr lang="fr-FR" dirty="0"/>
+          </a:p>
+          <a:p>
+            <a:endParaRPr lang="fr-FR" dirty="0"/>
+          </a:p>
+        </p:txBody>
+      </p:sp>
     </p:spTree>
     <p:extLst>
       <p:ext uri="{BB962C8B-B14F-4D97-AF65-F5344CB8AC3E}">
@@ -4901,7 +4830,7 @@
         <p:spPr>
           <a:xfrm>
             <a:off x="4572000" y="156798"/>
-            <a:ext cx="3926305" cy="573338"/>
+            <a:ext cx="5409210" cy="573338"/>
           </a:xfrm>
         </p:spPr>
         <p:txBody>
@@ -4918,7 +4847,7 @@
                   </a:schemeClr>
                 </a:solidFill>
               </a:rPr>
-              <a:t>La page Produit</a:t>
+              <a:t>La sécurité (suite)</a:t>
             </a:r>
           </a:p>
         </p:txBody>
@@ -4937,8 +4866,8 @@
         </p:nvSpPr>
         <p:spPr>
           <a:xfrm>
-            <a:off x="4551218" y="792964"/>
-            <a:ext cx="7640782" cy="584775"/>
+            <a:off x="83125" y="831490"/>
+            <a:ext cx="12023767" cy="4247317"/>
           </a:xfrm>
           <a:prstGeom prst="rect">
             <a:avLst/>
@@ -4951,1032 +4880,99 @@
           </a:bodyPr>
           <a:lstStyle/>
           <a:p>
-            <a:r>
-              <a:rPr lang="fr-FR" sz="1600" dirty="0"/>
-              <a:t>L’enjeu est de pouvoir cibler l’Id du produit sélectionné pour afficher la page produit souhaitée</a:t>
-            </a:r>
-          </a:p>
-        </p:txBody>
-      </p:sp>
-      <p:pic>
-        <p:nvPicPr>
-          <p:cNvPr id="4" name="Image 3" descr="Une image contenant texte, appareil photo, capture d’écran, projecteur&#10;&#10;Description générée automatiquement">
-            <a:extLst>
-              <a:ext uri="{FF2B5EF4-FFF2-40B4-BE49-F238E27FC236}">
-                <a16:creationId xmlns:a16="http://schemas.microsoft.com/office/drawing/2014/main" id="{F50F4BD8-0585-7C41-A999-CDB7469A103F}"/>
-              </a:ext>
-            </a:extLst>
-          </p:cNvPr>
-          <p:cNvPicPr>
-            <a:picLocks noChangeAspect="1"/>
-          </p:cNvPicPr>
-          <p:nvPr/>
-        </p:nvPicPr>
-        <p:blipFill>
-          <a:blip r:embed="rId3"/>
-          <a:stretch>
-            <a:fillRect/>
-          </a:stretch>
-        </p:blipFill>
-        <p:spPr>
-          <a:xfrm>
-            <a:off x="54145" y="1330036"/>
-            <a:ext cx="4497073" cy="5527964"/>
-          </a:xfrm>
-          <a:prstGeom prst="rect">
-            <a:avLst/>
-          </a:prstGeom>
-        </p:spPr>
-      </p:pic>
-      <p:pic>
-        <p:nvPicPr>
-          <p:cNvPr id="9" name="Image 8" descr="Une image contenant texte&#10;&#10;Description générée automatiquement">
-            <a:extLst>
-              <a:ext uri="{FF2B5EF4-FFF2-40B4-BE49-F238E27FC236}">
-                <a16:creationId xmlns:a16="http://schemas.microsoft.com/office/drawing/2014/main" id="{6991B4AC-F051-944A-80FC-040DF4D0248E}"/>
-              </a:ext>
-            </a:extLst>
-          </p:cNvPr>
-          <p:cNvPicPr>
-            <a:picLocks noChangeAspect="1"/>
-          </p:cNvPicPr>
-          <p:nvPr/>
-        </p:nvPicPr>
-        <p:blipFill>
-          <a:blip r:embed="rId4"/>
-          <a:stretch>
-            <a:fillRect/>
-          </a:stretch>
-        </p:blipFill>
-        <p:spPr>
-          <a:xfrm>
-            <a:off x="5922023" y="1159806"/>
-            <a:ext cx="4221138" cy="808687"/>
-          </a:xfrm>
-          <a:prstGeom prst="rect">
-            <a:avLst/>
-          </a:prstGeom>
-        </p:spPr>
-      </p:pic>
-      <p:sp>
-        <p:nvSpPr>
-          <p:cNvPr id="11" name="ZoneTexte 10">
-            <a:extLst>
-              <a:ext uri="{FF2B5EF4-FFF2-40B4-BE49-F238E27FC236}">
-                <a16:creationId xmlns:a16="http://schemas.microsoft.com/office/drawing/2014/main" id="{A4713939-3322-5846-9C2B-7E2A9C65E511}"/>
-              </a:ext>
-            </a:extLst>
-          </p:cNvPr>
-          <p:cNvSpPr txBox="1"/>
-          <p:nvPr/>
-        </p:nvSpPr>
-        <p:spPr>
-          <a:xfrm>
-            <a:off x="4551218" y="2356232"/>
-            <a:ext cx="7138557" cy="584775"/>
-          </a:xfrm>
-          <a:prstGeom prst="rect">
-            <a:avLst/>
-          </a:prstGeom>
-          <a:noFill/>
-        </p:spPr>
-        <p:txBody>
-          <a:bodyPr wrap="square" rtlCol="0">
-            <a:spAutoFit/>
-          </a:bodyPr>
-          <a:lstStyle/>
-          <a:p>
-            <a:r>
-              <a:rPr lang="fr-FR" sz="1600" dirty="0"/>
-              <a:t>Il est possible de sélectionner la quantité voulue et l’objectif photo souhaité parmi plusieurs choix</a:t>
-            </a:r>
-          </a:p>
-        </p:txBody>
-      </p:sp>
-      <p:pic>
-        <p:nvPicPr>
-          <p:cNvPr id="14" name="Image 13" descr="Une image contenant texte&#10;&#10;Description générée automatiquement">
-            <a:extLst>
-              <a:ext uri="{FF2B5EF4-FFF2-40B4-BE49-F238E27FC236}">
-                <a16:creationId xmlns:a16="http://schemas.microsoft.com/office/drawing/2014/main" id="{E627C856-8196-B646-8428-CAFC027FB842}"/>
-              </a:ext>
-            </a:extLst>
-          </p:cNvPr>
-          <p:cNvPicPr>
-            <a:picLocks noChangeAspect="1"/>
-          </p:cNvPicPr>
-          <p:nvPr/>
-        </p:nvPicPr>
-        <p:blipFill>
-          <a:blip r:embed="rId5"/>
-          <a:stretch>
-            <a:fillRect/>
-          </a:stretch>
-        </p:blipFill>
-        <p:spPr>
-          <a:xfrm>
-            <a:off x="5922024" y="2785902"/>
-            <a:ext cx="4782129" cy="1006764"/>
-          </a:xfrm>
-          <a:prstGeom prst="rect">
-            <a:avLst/>
-          </a:prstGeom>
-        </p:spPr>
-      </p:pic>
-      <p:sp>
-        <p:nvSpPr>
-          <p:cNvPr id="15" name="ZoneTexte 14">
-            <a:extLst>
-              <a:ext uri="{FF2B5EF4-FFF2-40B4-BE49-F238E27FC236}">
-                <a16:creationId xmlns:a16="http://schemas.microsoft.com/office/drawing/2014/main" id="{3334EAC2-F358-0447-8D1B-A038B407D817}"/>
-              </a:ext>
-            </a:extLst>
-          </p:cNvPr>
-          <p:cNvSpPr txBox="1"/>
-          <p:nvPr/>
-        </p:nvSpPr>
-        <p:spPr>
-          <a:xfrm>
-            <a:off x="4620127" y="3887225"/>
-            <a:ext cx="5273367" cy="338554"/>
-          </a:xfrm>
-          <a:prstGeom prst="rect">
-            <a:avLst/>
-          </a:prstGeom>
-          <a:noFill/>
-        </p:spPr>
-        <p:txBody>
-          <a:bodyPr wrap="none" rtlCol="0">
-            <a:spAutoFit/>
-          </a:bodyPr>
-          <a:lstStyle/>
-          <a:p>
-            <a:r>
-              <a:rPr lang="fr-FR" sz="1600" dirty="0"/>
-              <a:t>En fonction de la quantité choisie, un prix total est déterminé</a:t>
-            </a:r>
-          </a:p>
-        </p:txBody>
-      </p:sp>
-      <p:pic>
-        <p:nvPicPr>
-          <p:cNvPr id="17" name="Image 16" descr="Une image contenant texte&#10;&#10;Description générée automatiquement">
-            <a:extLst>
-              <a:ext uri="{FF2B5EF4-FFF2-40B4-BE49-F238E27FC236}">
-                <a16:creationId xmlns:a16="http://schemas.microsoft.com/office/drawing/2014/main" id="{2185D0F1-A70C-7C43-9D81-5B75F1970808}"/>
-              </a:ext>
-            </a:extLst>
-          </p:cNvPr>
-          <p:cNvPicPr>
-            <a:picLocks noChangeAspect="1"/>
-          </p:cNvPicPr>
-          <p:nvPr/>
-        </p:nvPicPr>
-        <p:blipFill>
-          <a:blip r:embed="rId6"/>
-          <a:stretch>
-            <a:fillRect/>
-          </a:stretch>
-        </p:blipFill>
-        <p:spPr>
-          <a:xfrm>
-            <a:off x="5922023" y="4261099"/>
-            <a:ext cx="4782129" cy="1091573"/>
-          </a:xfrm>
-          <a:prstGeom prst="rect">
-            <a:avLst/>
-          </a:prstGeom>
-        </p:spPr>
-      </p:pic>
-      <p:sp>
-        <p:nvSpPr>
-          <p:cNvPr id="19" name="ZoneTexte 18">
-            <a:extLst>
-              <a:ext uri="{FF2B5EF4-FFF2-40B4-BE49-F238E27FC236}">
-                <a16:creationId xmlns:a16="http://schemas.microsoft.com/office/drawing/2014/main" id="{DC4B6B94-33E8-1241-B04D-B18566337F82}"/>
-              </a:ext>
-            </a:extLst>
-          </p:cNvPr>
-          <p:cNvSpPr txBox="1"/>
-          <p:nvPr/>
-        </p:nvSpPr>
-        <p:spPr>
-          <a:xfrm>
-            <a:off x="4596065" y="5405806"/>
-            <a:ext cx="6746536" cy="584775"/>
-          </a:xfrm>
-          <a:prstGeom prst="rect">
-            <a:avLst/>
-          </a:prstGeom>
-          <a:noFill/>
-        </p:spPr>
-        <p:txBody>
-          <a:bodyPr wrap="square" rtlCol="0">
-            <a:spAutoFit/>
-          </a:bodyPr>
-          <a:lstStyle/>
-          <a:p>
-            <a:r>
-              <a:rPr lang="fr-FR" sz="1600" dirty="0"/>
-              <a:t>Enfin ces éléments peuvent être transmis au </a:t>
-            </a:r>
-            <a:r>
-              <a:rPr lang="fr-FR" sz="1600" dirty="0" err="1"/>
-              <a:t>localStorage</a:t>
-            </a:r>
-            <a:r>
-              <a:rPr lang="fr-FR" sz="1600" dirty="0"/>
-              <a:t> pour alimenter le panier</a:t>
-            </a:r>
-          </a:p>
-        </p:txBody>
-      </p:sp>
-      <p:pic>
-        <p:nvPicPr>
-          <p:cNvPr id="21" name="Image 20" descr="Une image contenant texte&#10;&#10;Description générée automatiquement">
-            <a:extLst>
-              <a:ext uri="{FF2B5EF4-FFF2-40B4-BE49-F238E27FC236}">
-                <a16:creationId xmlns:a16="http://schemas.microsoft.com/office/drawing/2014/main" id="{23AD1FCE-2BFA-4F4B-971B-DC91BD6EC4F6}"/>
-              </a:ext>
-            </a:extLst>
-          </p:cNvPr>
-          <p:cNvPicPr>
-            <a:picLocks noChangeAspect="1"/>
-          </p:cNvPicPr>
-          <p:nvPr/>
-        </p:nvPicPr>
-        <p:blipFill>
-          <a:blip r:embed="rId7"/>
-          <a:stretch>
-            <a:fillRect/>
-          </a:stretch>
-        </p:blipFill>
-        <p:spPr>
-          <a:xfrm>
-            <a:off x="5922022" y="5838918"/>
-            <a:ext cx="4755711" cy="1019081"/>
-          </a:xfrm>
-          <a:prstGeom prst="rect">
-            <a:avLst/>
-          </a:prstGeom>
-        </p:spPr>
-      </p:pic>
+            <a:endParaRPr lang="fr-FR" dirty="0"/>
+          </a:p>
+          <a:p>
+            <a:r>
+              <a:rPr lang="fr-FR" dirty="0"/>
+              <a:t>-</a:t>
+            </a:r>
+            <a:r>
+              <a:rPr lang="fr-FR" dirty="0">
+                <a:solidFill>
+                  <a:srgbClr val="0070C0"/>
+                </a:solidFill>
+              </a:rPr>
+              <a:t> Token d'authentification </a:t>
+            </a:r>
+            <a:r>
+              <a:rPr lang="fr-FR" dirty="0"/>
+              <a:t>: Permet aux utilisateurs de ne se connecter qu'une seule fois à leur compte. Au moment de se connecter, ils recevront leur token et le renverront automatiquement à chaque requête par la suite. Ceci permettra au back-end de vérifier que la requête est authentifiée (comparaison de l’ID de la requête et de l’ID contenu dans le token après décodage).</a:t>
+            </a:r>
+          </a:p>
+          <a:p>
+            <a:pPr marL="285750" indent="-285750">
+              <a:buFontTx/>
+              <a:buChar char="-"/>
+            </a:pPr>
+            <a:endParaRPr lang="fr-FR" dirty="0"/>
+          </a:p>
+          <a:p>
+            <a:r>
+              <a:rPr lang="fr-FR" dirty="0"/>
+              <a:t>- </a:t>
+            </a:r>
+            <a:r>
+              <a:rPr lang="fr-FR" dirty="0">
+                <a:solidFill>
+                  <a:srgbClr val="0070C0"/>
+                </a:solidFill>
+              </a:rPr>
+              <a:t>Helmet</a:t>
+            </a:r>
+            <a:r>
+              <a:rPr lang="fr-FR" dirty="0"/>
+              <a:t> : Solution préconisée pour </a:t>
+            </a:r>
+            <a:r>
+              <a:rPr lang="fr-FR" dirty="0" err="1"/>
+              <a:t>Express.js</a:t>
+            </a:r>
+            <a:r>
+              <a:rPr lang="fr-FR" dirty="0"/>
+              <a:t> afin de protéger son application des vulnérabilités les plus courantes. Il sécurise les requêtes HTTP, les en-têtes, empêche le détournement de clics et ajoute une protection contre les attaques XSS (Les failles XSS permettent aux attaquants d'exécuter des scripts dans le navigateur de la victime, ce qui peut détourner des sessions utilisateur, altérer des sites web ou rediriger l'utilisateur vers un site malveillant.)</a:t>
+            </a:r>
+          </a:p>
+          <a:p>
+            <a:endParaRPr lang="fr-FR" dirty="0"/>
+          </a:p>
+          <a:p>
+            <a:r>
+              <a:rPr lang="fr-FR" dirty="0"/>
+              <a:t>- </a:t>
+            </a:r>
+            <a:r>
+              <a:rPr lang="fr-FR" dirty="0">
+                <a:solidFill>
+                  <a:srgbClr val="0070C0"/>
+                </a:solidFill>
+              </a:rPr>
+              <a:t>Unique - Validator</a:t>
+            </a:r>
+            <a:r>
+              <a:rPr lang="fr-FR" dirty="0"/>
+              <a:t> : plug-in qui s'assure que deux utilisateurs ne peuvent partager la même adresse e-mail.</a:t>
+            </a:r>
+          </a:p>
+          <a:p>
+            <a:pPr marL="285750" indent="-285750">
+              <a:buFontTx/>
+              <a:buChar char="-"/>
+            </a:pPr>
+            <a:endParaRPr lang="fr-FR" dirty="0"/>
+          </a:p>
+          <a:p>
+            <a:endParaRPr lang="fr-FR" dirty="0"/>
+          </a:p>
+          <a:p>
+            <a:endParaRPr lang="fr-FR" dirty="0"/>
+          </a:p>
+        </p:txBody>
+      </p:sp>
     </p:spTree>
     <p:extLst>
       <p:ext uri="{BB962C8B-B14F-4D97-AF65-F5344CB8AC3E}">
-        <p14:creationId xmlns:p14="http://schemas.microsoft.com/office/powerpoint/2010/main" val="524556060"/>
-      </p:ext>
-    </p:extLst>
-  </p:cSld>
-  <p:clrMapOvr>
-    <a:masterClrMapping/>
-  </p:clrMapOvr>
-</p:sld>
-</file>
-
-<file path=ppt/slides/slide4.xml><?xml version="1.0" encoding="utf-8"?>
-<p:sld xmlns:a="http://schemas.openxmlformats.org/drawingml/2006/main" xmlns:r="http://schemas.openxmlformats.org/officeDocument/2006/relationships" xmlns:p="http://schemas.openxmlformats.org/presentationml/2006/main">
-  <p:cSld>
-    <p:spTree>
-      <p:nvGrpSpPr>
-        <p:cNvPr id="1" name=""/>
-        <p:cNvGrpSpPr/>
-        <p:nvPr/>
-      </p:nvGrpSpPr>
-      <p:grpSpPr>
-        <a:xfrm>
-          <a:off x="0" y="0"/>
-          <a:ext cx="0" cy="0"/>
-          <a:chOff x="0" y="0"/>
-          <a:chExt cx="0" cy="0"/>
-        </a:xfrm>
-      </p:grpSpPr>
-      <p:sp>
-        <p:nvSpPr>
-          <p:cNvPr id="2" name="Titre 1">
-            <a:extLst>
-              <a:ext uri="{FF2B5EF4-FFF2-40B4-BE49-F238E27FC236}">
-                <a16:creationId xmlns:a16="http://schemas.microsoft.com/office/drawing/2014/main" id="{6FDCA31D-3B67-504B-BB00-DDDC526E4814}"/>
-              </a:ext>
-            </a:extLst>
-          </p:cNvPr>
-          <p:cNvSpPr>
-            <a:spLocks noGrp="1"/>
-          </p:cNvSpPr>
-          <p:nvPr>
-            <p:ph type="title"/>
-          </p:nvPr>
-        </p:nvSpPr>
-        <p:spPr>
-          <a:xfrm>
-            <a:off x="4572000" y="156798"/>
-            <a:ext cx="3926305" cy="573338"/>
-          </a:xfrm>
-        </p:spPr>
-        <p:txBody>
-          <a:bodyPr>
-            <a:normAutofit fontScale="90000"/>
-          </a:bodyPr>
-          <a:lstStyle/>
-          <a:p>
-            <a:r>
-              <a:rPr lang="fr-FR" dirty="0">
-                <a:solidFill>
-                  <a:schemeClr val="accent1">
-                    <a:lumMod val="75000"/>
-                  </a:schemeClr>
-                </a:solidFill>
-              </a:rPr>
-              <a:t>La page Panier</a:t>
-            </a:r>
-          </a:p>
-        </p:txBody>
-      </p:sp>
-      <p:sp>
-        <p:nvSpPr>
-          <p:cNvPr id="6" name="ZoneTexte 5">
-            <a:extLst>
-              <a:ext uri="{FF2B5EF4-FFF2-40B4-BE49-F238E27FC236}">
-                <a16:creationId xmlns:a16="http://schemas.microsoft.com/office/drawing/2014/main" id="{EC26B303-3A4C-3B4B-A89B-EECB05F92956}"/>
-              </a:ext>
-            </a:extLst>
-          </p:cNvPr>
-          <p:cNvSpPr txBox="1"/>
-          <p:nvPr/>
-        </p:nvSpPr>
-        <p:spPr>
-          <a:xfrm>
-            <a:off x="4551218" y="792964"/>
-            <a:ext cx="7640782" cy="338554"/>
-          </a:xfrm>
-          <a:prstGeom prst="rect">
-            <a:avLst/>
-          </a:prstGeom>
-          <a:noFill/>
-        </p:spPr>
-        <p:txBody>
-          <a:bodyPr wrap="square" rtlCol="0">
-            <a:spAutoFit/>
-          </a:bodyPr>
-          <a:lstStyle/>
-          <a:p>
-            <a:r>
-              <a:rPr lang="fr-FR" sz="1600" dirty="0"/>
-              <a:t>L’enjeu est de pouvoir récupérer les données du </a:t>
-            </a:r>
-            <a:r>
-              <a:rPr lang="fr-FR" sz="1600" dirty="0" err="1"/>
-              <a:t>localStorage</a:t>
-            </a:r>
-            <a:r>
-              <a:rPr lang="fr-FR" sz="1600" dirty="0"/>
-              <a:t> pour construire le panier</a:t>
-            </a:r>
-          </a:p>
-        </p:txBody>
-      </p:sp>
-      <p:sp>
-        <p:nvSpPr>
-          <p:cNvPr id="11" name="ZoneTexte 10">
-            <a:extLst>
-              <a:ext uri="{FF2B5EF4-FFF2-40B4-BE49-F238E27FC236}">
-                <a16:creationId xmlns:a16="http://schemas.microsoft.com/office/drawing/2014/main" id="{A4713939-3322-5846-9C2B-7E2A9C65E511}"/>
-              </a:ext>
-            </a:extLst>
-          </p:cNvPr>
-          <p:cNvSpPr txBox="1"/>
-          <p:nvPr/>
-        </p:nvSpPr>
-        <p:spPr>
-          <a:xfrm>
-            <a:off x="4551218" y="2213234"/>
-            <a:ext cx="7138557" cy="338554"/>
-          </a:xfrm>
-          <a:prstGeom prst="rect">
-            <a:avLst/>
-          </a:prstGeom>
-          <a:noFill/>
-        </p:spPr>
-        <p:txBody>
-          <a:bodyPr wrap="square" rtlCol="0">
-            <a:spAutoFit/>
-          </a:bodyPr>
-          <a:lstStyle/>
-          <a:p>
-            <a:r>
-              <a:rPr lang="fr-FR" sz="1600" dirty="0"/>
-              <a:t>Il est possible de supprimer les produits individuellement (méthode </a:t>
-            </a:r>
-            <a:r>
-              <a:rPr lang="fr-FR" sz="1600" dirty="0" err="1"/>
-              <a:t>filter</a:t>
-            </a:r>
-            <a:r>
-              <a:rPr lang="fr-FR" sz="1600" dirty="0"/>
-              <a:t>)</a:t>
-            </a:r>
-          </a:p>
-        </p:txBody>
-      </p:sp>
-      <p:sp>
-        <p:nvSpPr>
-          <p:cNvPr id="15" name="ZoneTexte 14">
-            <a:extLst>
-              <a:ext uri="{FF2B5EF4-FFF2-40B4-BE49-F238E27FC236}">
-                <a16:creationId xmlns:a16="http://schemas.microsoft.com/office/drawing/2014/main" id="{3334EAC2-F358-0447-8D1B-A038B407D817}"/>
-              </a:ext>
-            </a:extLst>
-          </p:cNvPr>
-          <p:cNvSpPr txBox="1"/>
-          <p:nvPr/>
-        </p:nvSpPr>
-        <p:spPr>
-          <a:xfrm>
-            <a:off x="4529891" y="2551788"/>
-            <a:ext cx="7510440" cy="584775"/>
-          </a:xfrm>
-          <a:prstGeom prst="rect">
-            <a:avLst/>
-          </a:prstGeom>
-          <a:noFill/>
-        </p:spPr>
-        <p:txBody>
-          <a:bodyPr wrap="square" rtlCol="0">
-            <a:spAutoFit/>
-          </a:bodyPr>
-          <a:lstStyle/>
-          <a:p>
-            <a:r>
-              <a:rPr lang="fr-FR" sz="1600" dirty="0"/>
-              <a:t>En fonction des produits présents dans le panier, un prix total est déterminé (méthode </a:t>
-            </a:r>
-            <a:r>
-              <a:rPr lang="fr-FR" sz="1600" dirty="0" err="1"/>
-              <a:t>reduce</a:t>
-            </a:r>
-            <a:r>
-              <a:rPr lang="fr-FR" sz="1600" dirty="0"/>
-              <a:t>)</a:t>
-            </a:r>
-          </a:p>
-        </p:txBody>
-      </p:sp>
-      <p:sp>
-        <p:nvSpPr>
-          <p:cNvPr id="19" name="ZoneTexte 18">
-            <a:extLst>
-              <a:ext uri="{FF2B5EF4-FFF2-40B4-BE49-F238E27FC236}">
-                <a16:creationId xmlns:a16="http://schemas.microsoft.com/office/drawing/2014/main" id="{DC4B6B94-33E8-1241-B04D-B18566337F82}"/>
-              </a:ext>
-            </a:extLst>
-          </p:cNvPr>
-          <p:cNvSpPr txBox="1"/>
-          <p:nvPr/>
-        </p:nvSpPr>
-        <p:spPr>
-          <a:xfrm>
-            <a:off x="4572000" y="4800773"/>
-            <a:ext cx="6746536" cy="830997"/>
-          </a:xfrm>
-          <a:prstGeom prst="rect">
-            <a:avLst/>
-          </a:prstGeom>
-          <a:noFill/>
-        </p:spPr>
-        <p:txBody>
-          <a:bodyPr wrap="square" rtlCol="0">
-            <a:spAutoFit/>
-          </a:bodyPr>
-          <a:lstStyle/>
-          <a:p>
-            <a:r>
-              <a:rPr lang="fr-FR" sz="1600" dirty="0"/>
-              <a:t>Enfin l’action de validation de la commande envoi une requête « POST » contenant les données du client (nom, prénom, adresse, ville et e-mail) et les produits commandés</a:t>
-            </a:r>
-          </a:p>
-        </p:txBody>
-      </p:sp>
-      <p:pic>
-        <p:nvPicPr>
-          <p:cNvPr id="8" name="Image 7" descr="Une image contenant texte&#10;&#10;Description générée automatiquement">
-            <a:extLst>
-              <a:ext uri="{FF2B5EF4-FFF2-40B4-BE49-F238E27FC236}">
-                <a16:creationId xmlns:a16="http://schemas.microsoft.com/office/drawing/2014/main" id="{363BC6B9-4171-864C-B06A-339C965DBFA0}"/>
-              </a:ext>
-            </a:extLst>
-          </p:cNvPr>
-          <p:cNvPicPr>
-            <a:picLocks noChangeAspect="1"/>
-          </p:cNvPicPr>
-          <p:nvPr/>
-        </p:nvPicPr>
-        <p:blipFill>
-          <a:blip r:embed="rId3"/>
-          <a:stretch>
-            <a:fillRect/>
-          </a:stretch>
-        </p:blipFill>
-        <p:spPr>
-          <a:xfrm>
-            <a:off x="5922022" y="1159806"/>
-            <a:ext cx="3810000" cy="990600"/>
-          </a:xfrm>
-          <a:prstGeom prst="rect">
-            <a:avLst/>
-          </a:prstGeom>
-        </p:spPr>
-      </p:pic>
-      <p:pic>
-        <p:nvPicPr>
-          <p:cNvPr id="12" name="Image 11">
-            <a:extLst>
-              <a:ext uri="{FF2B5EF4-FFF2-40B4-BE49-F238E27FC236}">
-                <a16:creationId xmlns:a16="http://schemas.microsoft.com/office/drawing/2014/main" id="{4FAAA09A-CF78-7F42-9887-9222BC71F48B}"/>
-              </a:ext>
-            </a:extLst>
-          </p:cNvPr>
-          <p:cNvPicPr>
-            <a:picLocks noChangeAspect="1"/>
-          </p:cNvPicPr>
-          <p:nvPr/>
-        </p:nvPicPr>
-        <p:blipFill>
-          <a:blip r:embed="rId4"/>
-          <a:stretch>
-            <a:fillRect/>
-          </a:stretch>
-        </p:blipFill>
-        <p:spPr>
-          <a:xfrm>
-            <a:off x="17403" y="1194346"/>
-            <a:ext cx="4554597" cy="5649112"/>
-          </a:xfrm>
-          <a:prstGeom prst="rect">
-            <a:avLst/>
-          </a:prstGeom>
-        </p:spPr>
-      </p:pic>
-      <p:sp>
-        <p:nvSpPr>
-          <p:cNvPr id="13" name="ZoneTexte 12">
-            <a:extLst>
-              <a:ext uri="{FF2B5EF4-FFF2-40B4-BE49-F238E27FC236}">
-                <a16:creationId xmlns:a16="http://schemas.microsoft.com/office/drawing/2014/main" id="{93A25D5C-327D-5043-AA59-9ACDFFE32D60}"/>
-              </a:ext>
-            </a:extLst>
-          </p:cNvPr>
-          <p:cNvSpPr txBox="1"/>
-          <p:nvPr/>
-        </p:nvSpPr>
-        <p:spPr>
-          <a:xfrm>
-            <a:off x="4549547" y="3325727"/>
-            <a:ext cx="7104648" cy="584775"/>
-          </a:xfrm>
-          <a:prstGeom prst="rect">
-            <a:avLst/>
-          </a:prstGeom>
-          <a:noFill/>
-        </p:spPr>
-        <p:txBody>
-          <a:bodyPr wrap="square" rtlCol="0">
-            <a:spAutoFit/>
-          </a:bodyPr>
-          <a:lstStyle/>
-          <a:p>
-            <a:r>
-              <a:rPr lang="fr-FR" sz="1600" dirty="0"/>
-              <a:t>L’enjeu est également de demander au client de remplir un formulaire dont les champs sont vérifiés par des « patterns »</a:t>
-            </a:r>
-          </a:p>
-        </p:txBody>
-      </p:sp>
-      <p:pic>
-        <p:nvPicPr>
-          <p:cNvPr id="22" name="Image 21">
-            <a:extLst>
-              <a:ext uri="{FF2B5EF4-FFF2-40B4-BE49-F238E27FC236}">
-                <a16:creationId xmlns:a16="http://schemas.microsoft.com/office/drawing/2014/main" id="{9FC81B7B-59C7-8645-8994-EA301CC503A5}"/>
-              </a:ext>
-            </a:extLst>
-          </p:cNvPr>
-          <p:cNvPicPr>
-            <a:picLocks noChangeAspect="1"/>
-          </p:cNvPicPr>
-          <p:nvPr/>
-        </p:nvPicPr>
-        <p:blipFill>
-          <a:blip r:embed="rId5"/>
-          <a:stretch>
-            <a:fillRect/>
-          </a:stretch>
-        </p:blipFill>
-        <p:spPr>
-          <a:xfrm>
-            <a:off x="8382654" y="5894911"/>
-            <a:ext cx="3657677" cy="340249"/>
-          </a:xfrm>
-          <a:prstGeom prst="rect">
-            <a:avLst/>
-          </a:prstGeom>
-        </p:spPr>
-      </p:pic>
-      <p:pic>
-        <p:nvPicPr>
-          <p:cNvPr id="24" name="Image 23">
-            <a:extLst>
-              <a:ext uri="{FF2B5EF4-FFF2-40B4-BE49-F238E27FC236}">
-                <a16:creationId xmlns:a16="http://schemas.microsoft.com/office/drawing/2014/main" id="{B3E739EC-51DC-1849-803A-7213ECF4270D}"/>
-              </a:ext>
-            </a:extLst>
-          </p:cNvPr>
-          <p:cNvPicPr>
-            <a:picLocks noChangeAspect="1"/>
-          </p:cNvPicPr>
-          <p:nvPr/>
-        </p:nvPicPr>
-        <p:blipFill>
-          <a:blip r:embed="rId6"/>
-          <a:stretch>
-            <a:fillRect/>
-          </a:stretch>
-        </p:blipFill>
-        <p:spPr>
-          <a:xfrm>
-            <a:off x="4818744" y="5631770"/>
-            <a:ext cx="3390561" cy="1082094"/>
-          </a:xfrm>
-          <a:prstGeom prst="rect">
-            <a:avLst/>
-          </a:prstGeom>
-        </p:spPr>
-      </p:pic>
-      <p:pic>
-        <p:nvPicPr>
-          <p:cNvPr id="4" name="Image 3">
-            <a:extLst>
-              <a:ext uri="{FF2B5EF4-FFF2-40B4-BE49-F238E27FC236}">
-                <a16:creationId xmlns:a16="http://schemas.microsoft.com/office/drawing/2014/main" id="{3E02AFE1-E41E-DA42-A670-619B8842491B}"/>
-              </a:ext>
-            </a:extLst>
-          </p:cNvPr>
-          <p:cNvPicPr>
-            <a:picLocks noChangeAspect="1"/>
-          </p:cNvPicPr>
-          <p:nvPr/>
-        </p:nvPicPr>
-        <p:blipFill>
-          <a:blip r:embed="rId7"/>
-          <a:stretch>
-            <a:fillRect/>
-          </a:stretch>
-        </p:blipFill>
-        <p:spPr>
-          <a:xfrm>
-            <a:off x="4670350" y="3908988"/>
-            <a:ext cx="7369981" cy="830996"/>
-          </a:xfrm>
-          <a:prstGeom prst="rect">
-            <a:avLst/>
-          </a:prstGeom>
-        </p:spPr>
-      </p:pic>
-    </p:spTree>
-    <p:extLst>
-      <p:ext uri="{BB962C8B-B14F-4D97-AF65-F5344CB8AC3E}">
-        <p14:creationId xmlns:p14="http://schemas.microsoft.com/office/powerpoint/2010/main" val="2828166318"/>
-      </p:ext>
-    </p:extLst>
-  </p:cSld>
-  <p:clrMapOvr>
-    <a:masterClrMapping/>
-  </p:clrMapOvr>
-</p:sld>
-</file>
-
-<file path=ppt/slides/slide5.xml><?xml version="1.0" encoding="utf-8"?>
-<p:sld xmlns:a="http://schemas.openxmlformats.org/drawingml/2006/main" xmlns:r="http://schemas.openxmlformats.org/officeDocument/2006/relationships" xmlns:p="http://schemas.openxmlformats.org/presentationml/2006/main">
-  <p:cSld>
-    <p:spTree>
-      <p:nvGrpSpPr>
-        <p:cNvPr id="1" name=""/>
-        <p:cNvGrpSpPr/>
-        <p:nvPr/>
-      </p:nvGrpSpPr>
-      <p:grpSpPr>
-        <a:xfrm>
-          <a:off x="0" y="0"/>
-          <a:ext cx="0" cy="0"/>
-          <a:chOff x="0" y="0"/>
-          <a:chExt cx="0" cy="0"/>
-        </a:xfrm>
-      </p:grpSpPr>
-      <p:sp>
-        <p:nvSpPr>
-          <p:cNvPr id="2" name="Titre 1">
-            <a:extLst>
-              <a:ext uri="{FF2B5EF4-FFF2-40B4-BE49-F238E27FC236}">
-                <a16:creationId xmlns:a16="http://schemas.microsoft.com/office/drawing/2014/main" id="{6FDCA31D-3B67-504B-BB00-DDDC526E4814}"/>
-              </a:ext>
-            </a:extLst>
-          </p:cNvPr>
-          <p:cNvSpPr>
-            <a:spLocks noGrp="1"/>
-          </p:cNvSpPr>
-          <p:nvPr>
-            <p:ph type="title"/>
-          </p:nvPr>
-        </p:nvSpPr>
-        <p:spPr>
-          <a:xfrm>
-            <a:off x="4572000" y="156798"/>
-            <a:ext cx="4734426" cy="573338"/>
-          </a:xfrm>
-        </p:spPr>
-        <p:txBody>
-          <a:bodyPr>
-            <a:normAutofit fontScale="90000"/>
-          </a:bodyPr>
-          <a:lstStyle/>
-          <a:p>
-            <a:r>
-              <a:rPr lang="fr-FR" dirty="0">
-                <a:solidFill>
-                  <a:schemeClr val="accent1">
-                    <a:lumMod val="75000"/>
-                  </a:schemeClr>
-                </a:solidFill>
-              </a:rPr>
-              <a:t>La page Confirmation</a:t>
-            </a:r>
-          </a:p>
-        </p:txBody>
-      </p:sp>
-      <p:sp>
-        <p:nvSpPr>
-          <p:cNvPr id="6" name="ZoneTexte 5">
-            <a:extLst>
-              <a:ext uri="{FF2B5EF4-FFF2-40B4-BE49-F238E27FC236}">
-                <a16:creationId xmlns:a16="http://schemas.microsoft.com/office/drawing/2014/main" id="{EC26B303-3A4C-3B4B-A89B-EECB05F92956}"/>
-              </a:ext>
-            </a:extLst>
-          </p:cNvPr>
-          <p:cNvSpPr txBox="1"/>
-          <p:nvPr/>
-        </p:nvSpPr>
-        <p:spPr>
-          <a:xfrm>
-            <a:off x="3807903" y="710195"/>
-            <a:ext cx="7640782" cy="338554"/>
-          </a:xfrm>
-          <a:prstGeom prst="rect">
-            <a:avLst/>
-          </a:prstGeom>
-          <a:noFill/>
-        </p:spPr>
-        <p:txBody>
-          <a:bodyPr wrap="square" rtlCol="0">
-            <a:spAutoFit/>
-          </a:bodyPr>
-          <a:lstStyle/>
-          <a:p>
-            <a:r>
-              <a:rPr lang="fr-FR" sz="1600" dirty="0"/>
-              <a:t>L’enjeu est de pouvoir récupérer le numéro de commande retourné par la requête POST</a:t>
-            </a:r>
-          </a:p>
-        </p:txBody>
-      </p:sp>
-      <p:sp>
-        <p:nvSpPr>
-          <p:cNvPr id="13" name="ZoneTexte 12">
-            <a:extLst>
-              <a:ext uri="{FF2B5EF4-FFF2-40B4-BE49-F238E27FC236}">
-                <a16:creationId xmlns:a16="http://schemas.microsoft.com/office/drawing/2014/main" id="{93A25D5C-327D-5043-AA59-9ACDFFE32D60}"/>
-              </a:ext>
-            </a:extLst>
-          </p:cNvPr>
-          <p:cNvSpPr txBox="1"/>
-          <p:nvPr/>
-        </p:nvSpPr>
-        <p:spPr>
-          <a:xfrm>
-            <a:off x="4075970" y="6230365"/>
-            <a:ext cx="7104648" cy="584775"/>
-          </a:xfrm>
-          <a:prstGeom prst="rect">
-            <a:avLst/>
-          </a:prstGeom>
-          <a:noFill/>
-        </p:spPr>
-        <p:txBody>
-          <a:bodyPr wrap="square" rtlCol="0">
-            <a:spAutoFit/>
-          </a:bodyPr>
-          <a:lstStyle/>
-          <a:p>
-            <a:r>
-              <a:rPr lang="fr-FR" sz="1600" dirty="0"/>
-              <a:t>Il faut bien entendu que l’expérience client se termine par un message fort : les remerciements !</a:t>
-            </a:r>
-          </a:p>
-        </p:txBody>
-      </p:sp>
-      <p:pic>
-        <p:nvPicPr>
-          <p:cNvPr id="4" name="Image 3" descr="Une image contenant texte&#10;&#10;Description générée automatiquement">
-            <a:extLst>
-              <a:ext uri="{FF2B5EF4-FFF2-40B4-BE49-F238E27FC236}">
-                <a16:creationId xmlns:a16="http://schemas.microsoft.com/office/drawing/2014/main" id="{28C2A829-EF40-724B-BE46-BF6F6B524ECD}"/>
-              </a:ext>
-            </a:extLst>
-          </p:cNvPr>
-          <p:cNvPicPr>
-            <a:picLocks noChangeAspect="1"/>
-          </p:cNvPicPr>
-          <p:nvPr/>
-        </p:nvPicPr>
-        <p:blipFill>
-          <a:blip r:embed="rId3"/>
-          <a:stretch>
-            <a:fillRect/>
-          </a:stretch>
-        </p:blipFill>
-        <p:spPr>
-          <a:xfrm>
-            <a:off x="0" y="7413"/>
-            <a:ext cx="3104147" cy="6859408"/>
-          </a:xfrm>
-          <a:prstGeom prst="rect">
-            <a:avLst/>
-          </a:prstGeom>
-        </p:spPr>
-      </p:pic>
-      <p:pic>
-        <p:nvPicPr>
-          <p:cNvPr id="10" name="Image 9" descr="Une image contenant texte&#10;&#10;Description générée automatiquement">
-            <a:extLst>
-              <a:ext uri="{FF2B5EF4-FFF2-40B4-BE49-F238E27FC236}">
-                <a16:creationId xmlns:a16="http://schemas.microsoft.com/office/drawing/2014/main" id="{29213CB8-1FC5-924C-8A46-E3EC604D5F96}"/>
-              </a:ext>
-            </a:extLst>
-          </p:cNvPr>
-          <p:cNvPicPr>
-            <a:picLocks noChangeAspect="1"/>
-          </p:cNvPicPr>
-          <p:nvPr/>
-        </p:nvPicPr>
-        <p:blipFill>
-          <a:blip r:embed="rId4"/>
-          <a:stretch>
-            <a:fillRect/>
-          </a:stretch>
-        </p:blipFill>
-        <p:spPr>
-          <a:xfrm>
-            <a:off x="4195946" y="3391905"/>
-            <a:ext cx="6540500" cy="2755900"/>
-          </a:xfrm>
-          <a:prstGeom prst="rect">
-            <a:avLst/>
-          </a:prstGeom>
-        </p:spPr>
-      </p:pic>
-      <p:pic>
-        <p:nvPicPr>
-          <p:cNvPr id="16" name="Image 15" descr="Une image contenant texte&#10;&#10;Description générée automatiquement">
-            <a:extLst>
-              <a:ext uri="{FF2B5EF4-FFF2-40B4-BE49-F238E27FC236}">
-                <a16:creationId xmlns:a16="http://schemas.microsoft.com/office/drawing/2014/main" id="{92C6C127-0DEC-F04D-8BF8-04AF1AF89813}"/>
-              </a:ext>
-            </a:extLst>
-          </p:cNvPr>
-          <p:cNvPicPr>
-            <a:picLocks noChangeAspect="1"/>
-          </p:cNvPicPr>
-          <p:nvPr/>
-        </p:nvPicPr>
-        <p:blipFill>
-          <a:blip r:embed="rId5"/>
-          <a:stretch>
-            <a:fillRect/>
-          </a:stretch>
-        </p:blipFill>
-        <p:spPr>
-          <a:xfrm>
-            <a:off x="5123872" y="1198085"/>
-            <a:ext cx="4878283" cy="2103760"/>
-          </a:xfrm>
-          <a:prstGeom prst="rect">
-            <a:avLst/>
-          </a:prstGeom>
-        </p:spPr>
-      </p:pic>
-    </p:spTree>
-    <p:extLst>
-      <p:ext uri="{BB962C8B-B14F-4D97-AF65-F5344CB8AC3E}">
-        <p14:creationId xmlns:p14="http://schemas.microsoft.com/office/powerpoint/2010/main" val="2432311969"/>
-      </p:ext>
-    </p:extLst>
-  </p:cSld>
-  <p:clrMapOvr>
-    <a:masterClrMapping/>
-  </p:clrMapOvr>
-</p:sld>
-</file>
-
-<file path=ppt/slides/slide6.xml><?xml version="1.0" encoding="utf-8"?>
-<p:sld xmlns:a="http://schemas.openxmlformats.org/drawingml/2006/main" xmlns:r="http://schemas.openxmlformats.org/officeDocument/2006/relationships" xmlns:p="http://schemas.openxmlformats.org/presentationml/2006/main">
-  <p:cSld>
-    <p:spTree>
-      <p:nvGrpSpPr>
-        <p:cNvPr id="1" name=""/>
-        <p:cNvGrpSpPr/>
-        <p:nvPr/>
-      </p:nvGrpSpPr>
-      <p:grpSpPr>
-        <a:xfrm>
-          <a:off x="0" y="0"/>
-          <a:ext cx="0" cy="0"/>
-          <a:chOff x="0" y="0"/>
-          <a:chExt cx="0" cy="0"/>
-        </a:xfrm>
-      </p:grpSpPr>
-      <p:pic>
-        <p:nvPicPr>
-          <p:cNvPr id="9" name="Image 8" descr="Une image contenant table&#10;&#10;Description générée automatiquement">
-            <a:extLst>
-              <a:ext uri="{FF2B5EF4-FFF2-40B4-BE49-F238E27FC236}">
-                <a16:creationId xmlns:a16="http://schemas.microsoft.com/office/drawing/2014/main" id="{DC8A019D-1F75-B843-9F0B-FE39F19DEDEF}"/>
-              </a:ext>
-            </a:extLst>
-          </p:cNvPr>
-          <p:cNvPicPr>
-            <a:picLocks noChangeAspect="1"/>
-          </p:cNvPicPr>
-          <p:nvPr/>
-        </p:nvPicPr>
-        <p:blipFill>
-          <a:blip r:embed="rId2"/>
-          <a:stretch>
-            <a:fillRect/>
-          </a:stretch>
-        </p:blipFill>
-        <p:spPr>
-          <a:xfrm>
-            <a:off x="1943100" y="934356"/>
-            <a:ext cx="8305800" cy="5511800"/>
-          </a:xfrm>
-          <a:prstGeom prst="rect">
-            <a:avLst/>
-          </a:prstGeom>
-        </p:spPr>
-      </p:pic>
-      <p:sp>
-        <p:nvSpPr>
-          <p:cNvPr id="10" name="ZoneTexte 9">
-            <a:extLst>
-              <a:ext uri="{FF2B5EF4-FFF2-40B4-BE49-F238E27FC236}">
-                <a16:creationId xmlns:a16="http://schemas.microsoft.com/office/drawing/2014/main" id="{A46E6F27-96CD-8D4A-9482-43B9424322E9}"/>
-              </a:ext>
-            </a:extLst>
-          </p:cNvPr>
-          <p:cNvSpPr txBox="1"/>
-          <p:nvPr/>
-        </p:nvSpPr>
-        <p:spPr>
-          <a:xfrm>
-            <a:off x="5527964" y="155925"/>
-            <a:ext cx="1377300" cy="369332"/>
-          </a:xfrm>
-          <a:prstGeom prst="rect">
-            <a:avLst/>
-          </a:prstGeom>
-          <a:noFill/>
-        </p:spPr>
-        <p:txBody>
-          <a:bodyPr wrap="none" rtlCol="0">
-            <a:spAutoFit/>
-          </a:bodyPr>
-          <a:lstStyle/>
-          <a:p>
-            <a:r>
-              <a:rPr lang="fr-FR" dirty="0">
-                <a:solidFill>
-                  <a:schemeClr val="accent1">
-                    <a:lumMod val="75000"/>
-                  </a:schemeClr>
-                </a:solidFill>
-              </a:rPr>
-              <a:t>Plan de tests</a:t>
-            </a:r>
-          </a:p>
-        </p:txBody>
-      </p:sp>
-    </p:spTree>
-    <p:extLst>
-      <p:ext uri="{BB962C8B-B14F-4D97-AF65-F5344CB8AC3E}">
-        <p14:creationId xmlns:p14="http://schemas.microsoft.com/office/powerpoint/2010/main" val="2364353033"/>
+        <p14:creationId xmlns:p14="http://schemas.microsoft.com/office/powerpoint/2010/main" val="3483518642"/>
       </p:ext>
     </p:extLst>
   </p:cSld>
